--- a/presentations/Introduction.pptx
+++ b/presentations/Introduction.pptx
@@ -263,7 +263,7 @@
           <a:p>
             <a:fld id="{E138F639-4E00-EB41-96CF-DCC68867864E}" type="datetimeFigureOut">
               <a:rPr lang="en-US" smtClean="0"/>
-              <a:t>1/21/20</a:t>
+              <a:t>1/24/20</a:t>
             </a:fld>
             <a:endParaRPr lang="en-US"/>
           </a:p>
@@ -463,7 +463,7 @@
           <a:p>
             <a:fld id="{E138F639-4E00-EB41-96CF-DCC68867864E}" type="datetimeFigureOut">
               <a:rPr lang="en-US" smtClean="0"/>
-              <a:t>1/21/20</a:t>
+              <a:t>1/24/20</a:t>
             </a:fld>
             <a:endParaRPr lang="en-US"/>
           </a:p>
@@ -673,7 +673,7 @@
           <a:p>
             <a:fld id="{E138F639-4E00-EB41-96CF-DCC68867864E}" type="datetimeFigureOut">
               <a:rPr lang="en-US" smtClean="0"/>
-              <a:t>1/21/20</a:t>
+              <a:t>1/24/20</a:t>
             </a:fld>
             <a:endParaRPr lang="en-US"/>
           </a:p>
@@ -873,7 +873,7 @@
           <a:p>
             <a:fld id="{E138F639-4E00-EB41-96CF-DCC68867864E}" type="datetimeFigureOut">
               <a:rPr lang="en-US" smtClean="0"/>
-              <a:t>1/21/20</a:t>
+              <a:t>1/24/20</a:t>
             </a:fld>
             <a:endParaRPr lang="en-US"/>
           </a:p>
@@ -1149,7 +1149,7 @@
           <a:p>
             <a:fld id="{E138F639-4E00-EB41-96CF-DCC68867864E}" type="datetimeFigureOut">
               <a:rPr lang="en-US" smtClean="0"/>
-              <a:t>1/21/20</a:t>
+              <a:t>1/24/20</a:t>
             </a:fld>
             <a:endParaRPr lang="en-US"/>
           </a:p>
@@ -1417,7 +1417,7 @@
           <a:p>
             <a:fld id="{E138F639-4E00-EB41-96CF-DCC68867864E}" type="datetimeFigureOut">
               <a:rPr lang="en-US" smtClean="0"/>
-              <a:t>1/21/20</a:t>
+              <a:t>1/24/20</a:t>
             </a:fld>
             <a:endParaRPr lang="en-US"/>
           </a:p>
@@ -1832,7 +1832,7 @@
           <a:p>
             <a:fld id="{E138F639-4E00-EB41-96CF-DCC68867864E}" type="datetimeFigureOut">
               <a:rPr lang="en-US" smtClean="0"/>
-              <a:t>1/21/20</a:t>
+              <a:t>1/24/20</a:t>
             </a:fld>
             <a:endParaRPr lang="en-US"/>
           </a:p>
@@ -1974,7 +1974,7 @@
           <a:p>
             <a:fld id="{E138F639-4E00-EB41-96CF-DCC68867864E}" type="datetimeFigureOut">
               <a:rPr lang="en-US" smtClean="0"/>
-              <a:t>1/21/20</a:t>
+              <a:t>1/24/20</a:t>
             </a:fld>
             <a:endParaRPr lang="en-US"/>
           </a:p>
@@ -2087,7 +2087,7 @@
           <a:p>
             <a:fld id="{E138F639-4E00-EB41-96CF-DCC68867864E}" type="datetimeFigureOut">
               <a:rPr lang="en-US" smtClean="0"/>
-              <a:t>1/21/20</a:t>
+              <a:t>1/24/20</a:t>
             </a:fld>
             <a:endParaRPr lang="en-US"/>
           </a:p>
@@ -2400,7 +2400,7 @@
           <a:p>
             <a:fld id="{E138F639-4E00-EB41-96CF-DCC68867864E}" type="datetimeFigureOut">
               <a:rPr lang="en-US" smtClean="0"/>
-              <a:t>1/21/20</a:t>
+              <a:t>1/24/20</a:t>
             </a:fld>
             <a:endParaRPr lang="en-US"/>
           </a:p>
@@ -2689,7 +2689,7 @@
           <a:p>
             <a:fld id="{E138F639-4E00-EB41-96CF-DCC68867864E}" type="datetimeFigureOut">
               <a:rPr lang="en-US" smtClean="0"/>
-              <a:t>1/21/20</a:t>
+              <a:t>1/24/20</a:t>
             </a:fld>
             <a:endParaRPr lang="en-US"/>
           </a:p>
@@ -2932,7 +2932,7 @@
           <a:p>
             <a:fld id="{E138F639-4E00-EB41-96CF-DCC68867864E}" type="datetimeFigureOut">
               <a:rPr lang="en-US" smtClean="0"/>
-              <a:t>1/21/20</a:t>
+              <a:t>1/24/20</a:t>
             </a:fld>
             <a:endParaRPr lang="en-US"/>
           </a:p>
